--- a/Laborator 5 PAPP.pptx
+++ b/Laborator 5 PAPP.pptx
@@ -2135,7 +2135,7 @@
           </a:ln>
           <a:extLst>
             <a:ext uri="{C572A759-6A51-4108-AA02-DFA0A04FC94B}">
-              <ma14:wrappingTextBoxFlag xmlns="" xmlns:ma14="http://schemas.microsoft.com/office/mac/drawingml/2011/main" val="1"/>
+              <ma14:wrappingTextBoxFlag xmlns:ma14="http://schemas.microsoft.com/office/mac/drawingml/2011/main" xmlns="" val="1"/>
             </a:ext>
           </a:extLst>
         </p:spPr>
@@ -2174,7 +2174,7 @@
           </a:ln>
           <a:extLst>
             <a:ext uri="{C572A759-6A51-4108-AA02-DFA0A04FC94B}">
-              <ma14:wrappingTextBoxFlag xmlns="" xmlns:ma14="http://schemas.microsoft.com/office/mac/drawingml/2011/main" val="1"/>
+              <ma14:wrappingTextBoxFlag xmlns:ma14="http://schemas.microsoft.com/office/mac/drawingml/2011/main" xmlns="" val="1"/>
             </a:ext>
           </a:extLst>
         </p:spPr>
@@ -3387,7 +3387,7 @@
           </a:ln>
           <a:extLst>
             <a:ext uri="{C572A759-6A51-4108-AA02-DFA0A04FC94B}">
-              <ma14:wrappingTextBoxFlag xmlns="" xmlns:ma14="http://schemas.microsoft.com/office/mac/drawingml/2011/main" val="1"/>
+              <ma14:wrappingTextBoxFlag xmlns:ma14="http://schemas.microsoft.com/office/mac/drawingml/2011/main" xmlns="" val="1"/>
             </a:ext>
           </a:extLst>
         </p:spPr>
@@ -3462,7 +3462,7 @@
           </a:ln>
           <a:extLst>
             <a:ext uri="{C572A759-6A51-4108-AA02-DFA0A04FC94B}">
-              <ma14:wrappingTextBoxFlag xmlns="" xmlns:ma14="http://schemas.microsoft.com/office/mac/drawingml/2011/main" val="1"/>
+              <ma14:wrappingTextBoxFlag xmlns:ma14="http://schemas.microsoft.com/office/mac/drawingml/2011/main" xmlns="" val="1"/>
             </a:ext>
           </a:extLst>
         </p:spPr>
@@ -3526,15 +3526,7 @@
             </a:r>
             <a:r>
               <a:rPr lang="en-GB" sz="3200" dirty="0" err="1"/>
-              <a:t>apoo</a:t>
-            </a:r>
-            <a:r>
-              <a:rPr lang="en-GB" sz="3200" dirty="0"/>
-              <a:t>-</a:t>
-            </a:r>
-            <a:r>
-              <a:rPr lang="ro-RO" sz="3200" dirty="0" err="1"/>
-              <a:t>aaw1922</a:t>
+              <a:t>apoo-papp1921</a:t>
             </a:r>
             <a:r>
               <a:rPr lang="en-GB" sz="3200" dirty="0"/>
@@ -3677,7 +3669,7 @@
           </a:ln>
           <a:extLst>
             <a:ext uri="{C572A759-6A51-4108-AA02-DFA0A04FC94B}">
-              <ma14:wrappingTextBoxFlag xmlns="" xmlns:ma14="http://schemas.microsoft.com/office/mac/drawingml/2011/main" val="1"/>
+              <ma14:wrappingTextBoxFlag xmlns:ma14="http://schemas.microsoft.com/office/mac/drawingml/2011/main" xmlns="" val="1"/>
             </a:ext>
           </a:extLst>
         </p:spPr>
@@ -3736,7 +3728,7 @@
           </a:ln>
           <a:extLst>
             <a:ext uri="{C572A759-6A51-4108-AA02-DFA0A04FC94B}">
-              <ma14:wrappingTextBoxFlag xmlns="" xmlns:ma14="http://schemas.microsoft.com/office/mac/drawingml/2011/main" val="1"/>
+              <ma14:wrappingTextBoxFlag xmlns:ma14="http://schemas.microsoft.com/office/mac/drawingml/2011/main" xmlns="" val="1"/>
             </a:ext>
           </a:extLst>
         </p:spPr>
@@ -3800,19 +3792,7 @@
               <a:rPr lang="en-GB" sz="3200" dirty="0" err="1">
                 <a:latin typeface="+mj-lt"/>
               </a:rPr>
-              <a:t>apoo</a:t>
-            </a:r>
-            <a:r>
-              <a:rPr lang="en-GB" sz="3200" dirty="0">
-                <a:latin typeface="+mj-lt"/>
-              </a:rPr>
-              <a:t>-</a:t>
-            </a:r>
-            <a:r>
-              <a:rPr lang="ro-RO" sz="3200" dirty="0" err="1">
-                <a:latin typeface="+mj-lt"/>
-              </a:rPr>
-              <a:t>aaw1922</a:t>
+              <a:t>apoo-papp1921</a:t>
             </a:r>
             <a:r>
               <a:rPr lang="en-GB" sz="3200" dirty="0">
@@ -3857,7 +3837,7 @@
           </a:ln>
           <a:extLst>
             <a:ext uri="{C572A759-6A51-4108-AA02-DFA0A04FC94B}">
-              <ma14:wrappingTextBoxFlag xmlns="" xmlns:ma14="http://schemas.microsoft.com/office/mac/drawingml/2011/main" val="1"/>
+              <ma14:wrappingTextBoxFlag xmlns:ma14="http://schemas.microsoft.com/office/mac/drawingml/2011/main" xmlns="" val="1"/>
             </a:ext>
           </a:extLst>
         </p:spPr>
@@ -3959,7 +3939,7 @@
           </a:prstGeom>
           <a:extLst>
             <a:ext uri="{C572A759-6A51-4108-AA02-DFA0A04FC94B}">
-              <ma14:wrappingTextBoxFlag xmlns="" xmlns:ma14="http://schemas.microsoft.com/office/mac/drawingml/2011/main" val="1"/>
+              <ma14:wrappingTextBoxFlag xmlns:ma14="http://schemas.microsoft.com/office/mac/drawingml/2011/main" xmlns="" val="1"/>
             </a:ext>
           </a:extLst>
         </p:spPr>
@@ -3993,7 +3973,7 @@
           </a:ln>
           <a:extLst>
             <a:ext uri="{C572A759-6A51-4108-AA02-DFA0A04FC94B}">
-              <ma14:wrappingTextBoxFlag xmlns="" xmlns:ma14="http://schemas.microsoft.com/office/mac/drawingml/2011/main" val="1"/>
+              <ma14:wrappingTextBoxFlag xmlns:ma14="http://schemas.microsoft.com/office/mac/drawingml/2011/main" xmlns="" val="1"/>
             </a:ext>
           </a:extLst>
         </p:spPr>
@@ -4064,7 +4044,7 @@
           </a:ln>
           <a:extLst>
             <a:ext uri="{C572A759-6A51-4108-AA02-DFA0A04FC94B}">
-              <ma14:wrappingTextBoxFlag xmlns="" xmlns:ma14="http://schemas.microsoft.com/office/mac/drawingml/2011/main" val="1"/>
+              <ma14:wrappingTextBoxFlag xmlns:ma14="http://schemas.microsoft.com/office/mac/drawingml/2011/main" xmlns="" val="1"/>
             </a:ext>
           </a:extLst>
         </p:spPr>
@@ -4619,7 +4599,7 @@
           </a:ln>
           <a:extLst>
             <a:ext uri="{C572A759-6A51-4108-AA02-DFA0A04FC94B}">
-              <ma14:wrappingTextBoxFlag xmlns:ma14="http://schemas.microsoft.com/office/mac/drawingml/2011/main" xmlns="" val="1"/>
+              <ma14:wrappingTextBoxFlag xmlns="" xmlns:ma14="http://schemas.microsoft.com/office/mac/drawingml/2011/main" val="1"/>
             </a:ext>
           </a:extLst>
         </p:spPr>
@@ -4736,7 +4716,7 @@
           </a:prstGeom>
           <a:extLst>
             <a:ext uri="{C572A759-6A51-4108-AA02-DFA0A04FC94B}">
-              <ma14:wrappingTextBoxFlag xmlns="" xmlns:ma14="http://schemas.microsoft.com/office/mac/drawingml/2011/main" val="1"/>
+              <ma14:wrappingTextBoxFlag xmlns:ma14="http://schemas.microsoft.com/office/mac/drawingml/2011/main" xmlns="" val="1"/>
             </a:ext>
           </a:extLst>
         </p:spPr>
@@ -4770,7 +4750,7 @@
           </a:ln>
           <a:extLst>
             <a:ext uri="{C572A759-6A51-4108-AA02-DFA0A04FC94B}">
-              <ma14:wrappingTextBoxFlag xmlns="" xmlns:ma14="http://schemas.microsoft.com/office/mac/drawingml/2011/main" val="1"/>
+              <ma14:wrappingTextBoxFlag xmlns:ma14="http://schemas.microsoft.com/office/mac/drawingml/2011/main" xmlns="" val="1"/>
             </a:ext>
           </a:extLst>
         </p:spPr>
@@ -4866,7 +4846,7 @@
           </a:ln>
           <a:extLst>
             <a:ext uri="{C572A759-6A51-4108-AA02-DFA0A04FC94B}">
-              <ma14:wrappingTextBoxFlag xmlns="" xmlns:ma14="http://schemas.microsoft.com/office/mac/drawingml/2011/main" val="1"/>
+              <ma14:wrappingTextBoxFlag xmlns:ma14="http://schemas.microsoft.com/office/mac/drawingml/2011/main" xmlns="" val="1"/>
             </a:ext>
           </a:extLst>
         </p:spPr>
@@ -5115,7 +5095,7 @@
           </a:prstGeom>
           <a:extLst>
             <a:ext uri="{C572A759-6A51-4108-AA02-DFA0A04FC94B}">
-              <ma14:wrappingTextBoxFlag xmlns:ma14="http://schemas.microsoft.com/office/mac/drawingml/2011/main" xmlns="" val="1"/>
+              <ma14:wrappingTextBoxFlag xmlns="" xmlns:ma14="http://schemas.microsoft.com/office/mac/drawingml/2011/main" val="1"/>
             </a:ext>
           </a:extLst>
         </p:spPr>
@@ -5149,7 +5129,7 @@
           </a:ln>
           <a:extLst>
             <a:ext uri="{C572A759-6A51-4108-AA02-DFA0A04FC94B}">
-              <ma14:wrappingTextBoxFlag xmlns:ma14="http://schemas.microsoft.com/office/mac/drawingml/2011/main" xmlns="" val="1"/>
+              <ma14:wrappingTextBoxFlag xmlns="" xmlns:ma14="http://schemas.microsoft.com/office/mac/drawingml/2011/main" val="1"/>
             </a:ext>
           </a:extLst>
         </p:spPr>
@@ -8597,7 +8577,7 @@
           </a:prstGeom>
           <a:extLst>
             <a:ext uri="{C572A759-6A51-4108-AA02-DFA0A04FC94B}">
-              <ma14:wrappingTextBoxFlag xmlns:ma14="http://schemas.microsoft.com/office/mac/drawingml/2011/main" xmlns="" val="1"/>
+              <ma14:wrappingTextBoxFlag xmlns="" xmlns:ma14="http://schemas.microsoft.com/office/mac/drawingml/2011/main" val="1"/>
             </a:ext>
           </a:extLst>
         </p:spPr>
@@ -8631,7 +8611,7 @@
           </a:ln>
           <a:extLst>
             <a:ext uri="{C572A759-6A51-4108-AA02-DFA0A04FC94B}">
-              <ma14:wrappingTextBoxFlag xmlns:ma14="http://schemas.microsoft.com/office/mac/drawingml/2011/main" xmlns="" val="1"/>
+              <ma14:wrappingTextBoxFlag xmlns="" xmlns:ma14="http://schemas.microsoft.com/office/mac/drawingml/2011/main" val="1"/>
             </a:ext>
           </a:extLst>
         </p:spPr>
@@ -8694,7 +8674,7 @@
           </a:ln>
           <a:extLst>
             <a:ext uri="{C572A759-6A51-4108-AA02-DFA0A04FC94B}">
-              <ma14:wrappingTextBoxFlag xmlns="" xmlns:ma14="http://schemas.microsoft.com/office/mac/drawingml/2011/main" val="1"/>
+              <ma14:wrappingTextBoxFlag xmlns:ma14="http://schemas.microsoft.com/office/mac/drawingml/2011/main" xmlns="" val="1"/>
             </a:ext>
           </a:extLst>
         </p:spPr>
@@ -8985,7 +8965,7 @@
           </a:prstGeom>
           <a:extLst>
             <a:ext uri="{C572A759-6A51-4108-AA02-DFA0A04FC94B}">
-              <ma14:wrappingTextBoxFlag xmlns:ma14="http://schemas.microsoft.com/office/mac/drawingml/2011/main" xmlns="" val="1"/>
+              <ma14:wrappingTextBoxFlag xmlns="" xmlns:ma14="http://schemas.microsoft.com/office/mac/drawingml/2011/main" val="1"/>
             </a:ext>
           </a:extLst>
         </p:spPr>
@@ -9019,7 +8999,7 @@
           </a:ln>
           <a:extLst>
             <a:ext uri="{C572A759-6A51-4108-AA02-DFA0A04FC94B}">
-              <ma14:wrappingTextBoxFlag xmlns:ma14="http://schemas.microsoft.com/office/mac/drawingml/2011/main" xmlns="" val="1"/>
+              <ma14:wrappingTextBoxFlag xmlns="" xmlns:ma14="http://schemas.microsoft.com/office/mac/drawingml/2011/main" val="1"/>
             </a:ext>
           </a:extLst>
         </p:spPr>
@@ -9082,7 +9062,7 @@
           </a:ln>
           <a:extLst>
             <a:ext uri="{C572A759-6A51-4108-AA02-DFA0A04FC94B}">
-              <ma14:wrappingTextBoxFlag xmlns="" xmlns:ma14="http://schemas.microsoft.com/office/mac/drawingml/2011/main" val="1"/>
+              <ma14:wrappingTextBoxFlag xmlns:ma14="http://schemas.microsoft.com/office/mac/drawingml/2011/main" xmlns="" val="1"/>
             </a:ext>
           </a:extLst>
         </p:spPr>
@@ -9414,7 +9394,7 @@
           </a:prstGeom>
           <a:extLst>
             <a:ext uri="{C572A759-6A51-4108-AA02-DFA0A04FC94B}">
-              <ma14:wrappingTextBoxFlag xmlns:ma14="http://schemas.microsoft.com/office/mac/drawingml/2011/main" xmlns="" val="1"/>
+              <ma14:wrappingTextBoxFlag xmlns="" xmlns:ma14="http://schemas.microsoft.com/office/mac/drawingml/2011/main" val="1"/>
             </a:ext>
           </a:extLst>
         </p:spPr>
@@ -9448,7 +9428,7 @@
           </a:ln>
           <a:extLst>
             <a:ext uri="{C572A759-6A51-4108-AA02-DFA0A04FC94B}">
-              <ma14:wrappingTextBoxFlag xmlns:ma14="http://schemas.microsoft.com/office/mac/drawingml/2011/main" xmlns="" val="1"/>
+              <ma14:wrappingTextBoxFlag xmlns="" xmlns:ma14="http://schemas.microsoft.com/office/mac/drawingml/2011/main" val="1"/>
             </a:ext>
           </a:extLst>
         </p:spPr>
@@ -9536,7 +9516,7 @@
           </a:ln>
           <a:extLst>
             <a:ext uri="{C572A759-6A51-4108-AA02-DFA0A04FC94B}">
-              <ma14:wrappingTextBoxFlag xmlns="" xmlns:ma14="http://schemas.microsoft.com/office/mac/drawingml/2011/main" val="1"/>
+              <ma14:wrappingTextBoxFlag xmlns:ma14="http://schemas.microsoft.com/office/mac/drawingml/2011/main" xmlns="" val="1"/>
             </a:ext>
           </a:extLst>
         </p:spPr>
@@ -14798,7 +14778,7 @@
           </a:ln>
           <a:extLst>
             <a:ext uri="{C572A759-6A51-4108-AA02-DFA0A04FC94B}">
-              <ma14:wrappingTextBoxFlag xmlns:ma14="http://schemas.microsoft.com/office/mac/drawingml/2011/main" xmlns="" val="1"/>
+              <ma14:wrappingTextBoxFlag xmlns="" xmlns:ma14="http://schemas.microsoft.com/office/mac/drawingml/2011/main" val="1"/>
             </a:ext>
           </a:extLst>
         </p:spPr>
@@ -17740,7 +17720,7 @@
           </a:ln>
           <a:extLst>
             <a:ext uri="{C572A759-6A51-4108-AA02-DFA0A04FC94B}">
-              <ma14:wrappingTextBoxFlag xmlns:ma14="http://schemas.microsoft.com/office/mac/drawingml/2011/main" xmlns="" val="1"/>
+              <ma14:wrappingTextBoxFlag xmlns="" xmlns:ma14="http://schemas.microsoft.com/office/mac/drawingml/2011/main" val="1"/>
             </a:ext>
           </a:extLst>
         </p:spPr>
@@ -17833,7 +17813,7 @@
           </a:prstGeom>
           <a:extLst>
             <a:ext uri="{C572A759-6A51-4108-AA02-DFA0A04FC94B}">
-              <ma14:wrappingTextBoxFlag xmlns="" xmlns:ma14="http://schemas.microsoft.com/office/mac/drawingml/2011/main" val="1"/>
+              <ma14:wrappingTextBoxFlag xmlns:ma14="http://schemas.microsoft.com/office/mac/drawingml/2011/main" xmlns="" val="1"/>
             </a:ext>
           </a:extLst>
         </p:spPr>
@@ -17867,7 +17847,7 @@
           </a:ln>
           <a:extLst>
             <a:ext uri="{C572A759-6A51-4108-AA02-DFA0A04FC94B}">
-              <ma14:wrappingTextBoxFlag xmlns="" xmlns:ma14="http://schemas.microsoft.com/office/mac/drawingml/2011/main" val="1"/>
+              <ma14:wrappingTextBoxFlag xmlns:ma14="http://schemas.microsoft.com/office/mac/drawingml/2011/main" xmlns="" val="1"/>
             </a:ext>
           </a:extLst>
         </p:spPr>
@@ -17930,7 +17910,7 @@
           </a:ln>
           <a:extLst>
             <a:ext uri="{C572A759-6A51-4108-AA02-DFA0A04FC94B}">
-              <ma14:wrappingTextBoxFlag xmlns="" xmlns:ma14="http://schemas.microsoft.com/office/mac/drawingml/2011/main" val="1"/>
+              <ma14:wrappingTextBoxFlag xmlns:ma14="http://schemas.microsoft.com/office/mac/drawingml/2011/main" xmlns="" val="1"/>
             </a:ext>
           </a:extLst>
         </p:spPr>
